--- a/hw2-melchuk.pptx
+++ b/hw2-melchuk.pptx
@@ -15,6 +15,7 @@
     <p:sldId id="265" r:id="rId9"/>
     <p:sldId id="266" r:id="rId10"/>
     <p:sldId id="263" r:id="rId11"/>
+    <p:sldId id="267" r:id="rId12"/>
   </p:sldIdLst>
   <p:sldSz cx="12192000" cy="6858000"/>
   <p:notesSz cx="6858000" cy="9144000"/>
@@ -292,7 +293,7 @@
           <a:p>
             <a:fld id="{48A87A34-81AB-432B-8DAE-1953F412C126}" type="datetimeFigureOut">
               <a:rPr lang="en-US" dirty="0"/>
-              <a:t>2/7/20</a:t>
+              <a:t>2/10/20</a:t>
             </a:fld>
             <a:endParaRPr lang="en-US" dirty="0"/>
           </a:p>
@@ -599,7 +600,7 @@
           <a:p>
             <a:fld id="{48A87A34-81AB-432B-8DAE-1953F412C126}" type="datetimeFigureOut">
               <a:rPr lang="en-US" dirty="0"/>
-              <a:t>2/7/20</a:t>
+              <a:t>2/10/20</a:t>
             </a:fld>
             <a:endParaRPr lang="en-US" dirty="0"/>
           </a:p>
@@ -816,7 +817,7 @@
           <a:p>
             <a:fld id="{48A87A34-81AB-432B-8DAE-1953F412C126}" type="datetimeFigureOut">
               <a:rPr lang="en-US" dirty="0"/>
-              <a:t>2/7/20</a:t>
+              <a:t>2/10/20</a:t>
             </a:fld>
             <a:endParaRPr lang="en-US" dirty="0"/>
           </a:p>
@@ -1102,7 +1103,7 @@
           <a:p>
             <a:fld id="{48A87A34-81AB-432B-8DAE-1953F412C126}" type="datetimeFigureOut">
               <a:rPr lang="en-US" dirty="0"/>
-              <a:t>2/7/20</a:t>
+              <a:t>2/10/20</a:t>
             </a:fld>
             <a:endParaRPr lang="en-US" dirty="0"/>
           </a:p>
@@ -1551,7 +1552,7 @@
           <a:p>
             <a:fld id="{48A87A34-81AB-432B-8DAE-1953F412C126}" type="datetimeFigureOut">
               <a:rPr lang="en-US" dirty="0"/>
-              <a:t>2/7/20</a:t>
+              <a:t>2/10/20</a:t>
             </a:fld>
             <a:endParaRPr lang="en-US" dirty="0"/>
           </a:p>
@@ -2122,7 +2123,7 @@
           <a:p>
             <a:fld id="{48A87A34-81AB-432B-8DAE-1953F412C126}" type="datetimeFigureOut">
               <a:rPr lang="en-US" dirty="0"/>
-              <a:t>2/7/20</a:t>
+              <a:t>2/10/20</a:t>
             </a:fld>
             <a:endParaRPr lang="en-US" dirty="0"/>
           </a:p>
@@ -2969,7 +2970,7 @@
           <a:p>
             <a:fld id="{48A87A34-81AB-432B-8DAE-1953F412C126}" type="datetimeFigureOut">
               <a:rPr lang="en-US" dirty="0"/>
-              <a:t>2/7/20</a:t>
+              <a:t>2/10/20</a:t>
             </a:fld>
             <a:endParaRPr lang="en-US" dirty="0"/>
           </a:p>
@@ -3169,7 +3170,7 @@
           <a:p>
             <a:fld id="{48A87A34-81AB-432B-8DAE-1953F412C126}" type="datetimeFigureOut">
               <a:rPr lang="en-US" dirty="0"/>
-              <a:t>2/7/20</a:t>
+              <a:t>2/10/20</a:t>
             </a:fld>
             <a:endParaRPr lang="en-US" dirty="0"/>
           </a:p>
@@ -3378,7 +3379,7 @@
           <a:p>
             <a:fld id="{48A87A34-81AB-432B-8DAE-1953F412C126}" type="datetimeFigureOut">
               <a:rPr lang="en-US" dirty="0"/>
-              <a:t>2/7/20</a:t>
+              <a:t>2/10/20</a:t>
             </a:fld>
             <a:endParaRPr lang="en-US" dirty="0"/>
           </a:p>
@@ -3578,7 +3579,7 @@
           <a:p>
             <a:fld id="{48A87A34-81AB-432B-8DAE-1953F412C126}" type="datetimeFigureOut">
               <a:rPr lang="en-US" dirty="0"/>
-              <a:t>2/7/20</a:t>
+              <a:t>2/10/20</a:t>
             </a:fld>
             <a:endParaRPr lang="en-US" dirty="0"/>
           </a:p>
@@ -3853,7 +3854,7 @@
           <a:p>
             <a:fld id="{48A87A34-81AB-432B-8DAE-1953F412C126}" type="datetimeFigureOut">
               <a:rPr lang="en-US" dirty="0"/>
-              <a:t>2/7/20</a:t>
+              <a:t>2/10/20</a:t>
             </a:fld>
             <a:endParaRPr lang="en-US" dirty="0"/>
           </a:p>
@@ -4115,7 +4116,7 @@
           <a:p>
             <a:fld id="{48A87A34-81AB-432B-8DAE-1953F412C126}" type="datetimeFigureOut">
               <a:rPr lang="en-US" dirty="0"/>
-              <a:t>2/7/20</a:t>
+              <a:t>2/10/20</a:t>
             </a:fld>
             <a:endParaRPr lang="en-US" dirty="0"/>
           </a:p>
@@ -4525,7 +4526,7 @@
           <a:p>
             <a:fld id="{48A87A34-81AB-432B-8DAE-1953F412C126}" type="datetimeFigureOut">
               <a:rPr lang="en-US" dirty="0"/>
-              <a:t>2/7/20</a:t>
+              <a:t>2/10/20</a:t>
             </a:fld>
             <a:endParaRPr lang="en-US" dirty="0"/>
           </a:p>
@@ -4668,7 +4669,7 @@
           <a:p>
             <a:fld id="{48A87A34-81AB-432B-8DAE-1953F412C126}" type="datetimeFigureOut">
               <a:rPr lang="en-US" dirty="0"/>
-              <a:t>2/7/20</a:t>
+              <a:t>2/10/20</a:t>
             </a:fld>
             <a:endParaRPr lang="en-US" dirty="0"/>
           </a:p>
@@ -4788,7 +4789,7 @@
           <a:p>
             <a:fld id="{48A87A34-81AB-432B-8DAE-1953F412C126}" type="datetimeFigureOut">
               <a:rPr lang="en-US" dirty="0"/>
-              <a:t>2/7/20</a:t>
+              <a:t>2/10/20</a:t>
             </a:fld>
             <a:endParaRPr lang="en-US" dirty="0"/>
           </a:p>
@@ -5062,7 +5063,7 @@
           <a:p>
             <a:fld id="{48A87A34-81AB-432B-8DAE-1953F412C126}" type="datetimeFigureOut">
               <a:rPr lang="en-US" dirty="0"/>
-              <a:t>2/7/20</a:t>
+              <a:t>2/10/20</a:t>
             </a:fld>
             <a:endParaRPr lang="en-US" dirty="0"/>
           </a:p>
@@ -5369,7 +5370,7 @@
           <a:p>
             <a:fld id="{48A87A34-81AB-432B-8DAE-1953F412C126}" type="datetimeFigureOut">
               <a:rPr lang="en-US" dirty="0"/>
-              <a:t>2/7/20</a:t>
+              <a:t>2/10/20</a:t>
             </a:fld>
             <a:endParaRPr lang="en-US" dirty="0"/>
           </a:p>
@@ -5632,7 +5633,7 @@
             <a:fld id="{48A87A34-81AB-432B-8DAE-1953F412C126}" type="datetimeFigureOut">
               <a:rPr lang="en-US" dirty="0"/>
               <a:pPr/>
-              <a:t>2/7/20</a:t>
+              <a:t>2/10/20</a:t>
             </a:fld>
             <a:endParaRPr lang="en-US" dirty="0"/>
           </a:p>
@@ -6678,6 +6679,246 @@
 </p:sld>
 </file>
 
+<file path=ppt/slides/slide11.xml><?xml version="1.0" encoding="utf-8"?>
+<p:sld xmlns:a="http://schemas.openxmlformats.org/drawingml/2006/main" xmlns:r="http://schemas.openxmlformats.org/officeDocument/2006/relationships" xmlns:p="http://schemas.openxmlformats.org/presentationml/2006/main" showMasterSp="0">
+  <p:cSld>
+    <p:spTree>
+      <p:nvGrpSpPr>
+        <p:cNvPr id="1" name=""/>
+        <p:cNvGrpSpPr/>
+        <p:nvPr/>
+      </p:nvGrpSpPr>
+      <p:grpSpPr>
+        <a:xfrm>
+          <a:off x="0" y="0"/>
+          <a:ext cx="0" cy="0"/>
+          <a:chOff x="0" y="0"/>
+          <a:chExt cx="0" cy="0"/>
+        </a:xfrm>
+      </p:grpSpPr>
+      <p:sp>
+        <p:nvSpPr>
+          <p:cNvPr id="2" name="Title 1">
+            <a:extLst>
+              <a:ext uri="{FF2B5EF4-FFF2-40B4-BE49-F238E27FC236}">
+                <a16:creationId xmlns:a16="http://schemas.microsoft.com/office/drawing/2014/main" id="{511C0132-B87F-5E49-BE35-556FD0BD20FD}"/>
+              </a:ext>
+            </a:extLst>
+          </p:cNvPr>
+          <p:cNvSpPr>
+            <a:spLocks noGrp="1"/>
+          </p:cNvSpPr>
+          <p:nvPr>
+            <p:ph type="ctrTitle"/>
+          </p:nvPr>
+        </p:nvSpPr>
+        <p:spPr>
+          <a:xfrm>
+            <a:off x="1575455" y="1256598"/>
+            <a:ext cx="8689976" cy="364061"/>
+          </a:xfrm>
+        </p:spPr>
+        <p:txBody>
+          <a:bodyPr>
+            <a:noAutofit/>
+          </a:bodyPr>
+          <a:lstStyle/>
+          <a:p>
+            <a:endParaRPr lang="ru-RU" sz="1400" dirty="0">
+              <a:solidFill>
+                <a:srgbClr val="FF0000"/>
+              </a:solidFill>
+              <a:latin typeface="Roboto" panose="02000000000000000000" pitchFamily="2" charset="0"/>
+              <a:ea typeface="Roboto" panose="02000000000000000000" pitchFamily="2" charset="0"/>
+              <a:cs typeface="Roboto" panose="02000000000000000000" pitchFamily="2" charset="0"/>
+            </a:endParaRPr>
+          </a:p>
+        </p:txBody>
+      </p:sp>
+      <p:pic>
+        <p:nvPicPr>
+          <p:cNvPr id="5" name="Graphic 4">
+            <a:extLst>
+              <a:ext uri="{FF2B5EF4-FFF2-40B4-BE49-F238E27FC236}">
+                <a16:creationId xmlns:a16="http://schemas.microsoft.com/office/drawing/2014/main" id="{34B21888-5256-D047-B5ED-6BCDCBCA3FF7}"/>
+              </a:ext>
+            </a:extLst>
+          </p:cNvPr>
+          <p:cNvPicPr>
+            <a:picLocks noChangeAspect="1"/>
+          </p:cNvPicPr>
+          <p:nvPr/>
+        </p:nvPicPr>
+        <p:blipFill>
+          <a:blip r:embed="rId2">
+            <a:extLst>
+              <a:ext uri="{96DAC541-7B7A-43D3-8B79-37D633B846F1}">
+                <asvg:svgBlip xmlns:asvg="http://schemas.microsoft.com/office/drawing/2016/SVG/main" r:embed="rId3"/>
+              </a:ext>
+            </a:extLst>
+          </a:blip>
+          <a:stretch>
+            <a:fillRect/>
+          </a:stretch>
+        </p:blipFill>
+        <p:spPr>
+          <a:xfrm>
+            <a:off x="1853650" y="280213"/>
+            <a:ext cx="3586098" cy="444150"/>
+          </a:xfrm>
+          <a:prstGeom prst="rect">
+            <a:avLst/>
+          </a:prstGeom>
+        </p:spPr>
+      </p:pic>
+      <p:sp>
+        <p:nvSpPr>
+          <p:cNvPr id="8" name="TextBox 7">
+            <a:extLst>
+              <a:ext uri="{FF2B5EF4-FFF2-40B4-BE49-F238E27FC236}">
+                <a16:creationId xmlns:a16="http://schemas.microsoft.com/office/drawing/2014/main" id="{6BE9B0A3-26F8-B547-BAF9-456BDD724221}"/>
+              </a:ext>
+            </a:extLst>
+          </p:cNvPr>
+          <p:cNvSpPr txBox="1"/>
+          <p:nvPr/>
+        </p:nvSpPr>
+        <p:spPr>
+          <a:xfrm>
+            <a:off x="1194815" y="2160873"/>
+            <a:ext cx="10302241" cy="369332"/>
+          </a:xfrm>
+          <a:prstGeom prst="rect">
+            <a:avLst/>
+          </a:prstGeom>
+          <a:gradFill>
+            <a:gsLst>
+              <a:gs pos="0">
+                <a:schemeClr val="bg1"/>
+              </a:gs>
+              <a:gs pos="100000">
+                <a:schemeClr val="bg1">
+                  <a:lumMod val="85000"/>
+                </a:schemeClr>
+              </a:gs>
+            </a:gsLst>
+            <a:lin ang="5400000" scaled="1"/>
+          </a:gradFill>
+        </p:spPr>
+        <p:txBody>
+          <a:bodyPr wrap="square" rtlCol="0">
+            <a:spAutoFit/>
+          </a:bodyPr>
+          <a:lstStyle/>
+          <a:p>
+            <a:endParaRPr lang="ru-RU" dirty="0"/>
+          </a:p>
+        </p:txBody>
+      </p:sp>
+      <p:sp>
+        <p:nvSpPr>
+          <p:cNvPr id="9" name="TextBox 8">
+            <a:extLst>
+              <a:ext uri="{FF2B5EF4-FFF2-40B4-BE49-F238E27FC236}">
+                <a16:creationId xmlns:a16="http://schemas.microsoft.com/office/drawing/2014/main" id="{50A5E777-76DA-CD47-9094-8059627F9563}"/>
+              </a:ext>
+            </a:extLst>
+          </p:cNvPr>
+          <p:cNvSpPr txBox="1"/>
+          <p:nvPr/>
+        </p:nvSpPr>
+        <p:spPr>
+          <a:xfrm>
+            <a:off x="1194816" y="1783562"/>
+            <a:ext cx="10302240" cy="369332"/>
+          </a:xfrm>
+          <a:prstGeom prst="rect">
+            <a:avLst/>
+          </a:prstGeom>
+          <a:gradFill>
+            <a:gsLst>
+              <a:gs pos="0">
+                <a:schemeClr val="bg1">
+                  <a:lumMod val="85000"/>
+                </a:schemeClr>
+              </a:gs>
+              <a:gs pos="100000">
+                <a:schemeClr val="tx1">
+                  <a:lumMod val="65000"/>
+                  <a:lumOff val="35000"/>
+                </a:schemeClr>
+              </a:gs>
+            </a:gsLst>
+            <a:lin ang="5400000" scaled="1"/>
+          </a:gradFill>
+        </p:spPr>
+        <p:txBody>
+          <a:bodyPr wrap="square" rtlCol="0">
+            <a:spAutoFit/>
+          </a:bodyPr>
+          <a:lstStyle/>
+          <a:p>
+            <a:endParaRPr lang="ru-RU" dirty="0"/>
+          </a:p>
+        </p:txBody>
+      </p:sp>
+      <p:sp>
+        <p:nvSpPr>
+          <p:cNvPr id="10" name="TextBox 9">
+            <a:extLst>
+              <a:ext uri="{FF2B5EF4-FFF2-40B4-BE49-F238E27FC236}">
+                <a16:creationId xmlns:a16="http://schemas.microsoft.com/office/drawing/2014/main" id="{EEF09AFF-FB09-F34F-835D-B10E048460AA}"/>
+              </a:ext>
+            </a:extLst>
+          </p:cNvPr>
+          <p:cNvSpPr txBox="1"/>
+          <p:nvPr/>
+        </p:nvSpPr>
+        <p:spPr>
+          <a:xfrm>
+            <a:off x="1194815" y="2807204"/>
+            <a:ext cx="10338350" cy="338554"/>
+          </a:xfrm>
+          <a:prstGeom prst="rect">
+            <a:avLst/>
+          </a:prstGeom>
+          <a:gradFill>
+            <a:gsLst>
+              <a:gs pos="0">
+                <a:schemeClr val="bg1"/>
+              </a:gs>
+              <a:gs pos="100000">
+                <a:schemeClr val="bg1">
+                  <a:lumMod val="85000"/>
+                </a:schemeClr>
+              </a:gs>
+            </a:gsLst>
+            <a:lin ang="5400000" scaled="1"/>
+          </a:gradFill>
+        </p:spPr>
+        <p:txBody>
+          <a:bodyPr wrap="square" rtlCol="0">
+            <a:spAutoFit/>
+          </a:bodyPr>
+          <a:lstStyle/>
+          <a:p>
+            <a:endParaRPr lang="ru-RU" sz="1600" dirty="0"/>
+          </a:p>
+        </p:txBody>
+      </p:sp>
+    </p:spTree>
+    <p:extLst>
+      <p:ext uri="{BB962C8B-B14F-4D97-AF65-F5344CB8AC3E}">
+        <p14:creationId xmlns:p14="http://schemas.microsoft.com/office/powerpoint/2010/main" val="144232748"/>
+      </p:ext>
+    </p:extLst>
+  </p:cSld>
+  <p:clrMapOvr>
+    <a:masterClrMapping/>
+  </p:clrMapOvr>
+</p:sld>
+</file>
+
 <file path=ppt/slides/slide2.xml><?xml version="1.0" encoding="utf-8"?>
 <p:sld xmlns:a="http://schemas.openxmlformats.org/drawingml/2006/main" xmlns:r="http://schemas.openxmlformats.org/officeDocument/2006/relationships" xmlns:p="http://schemas.openxmlformats.org/presentationml/2006/main" showMasterSp="0">
   <p:cSld>
